--- a/docs/lectures/Drivetrain Modelling II.pptx
+++ b/docs/lectures/Drivetrain Modelling II.pptx
@@ -215,7 +215,7 @@
           <a:p>
             <a:fld id="{6AD24EC9-7198-4B56-AEF9-BBEDF5640E20}" type="datetimeFigureOut">
               <a:rPr lang="en-GB" smtClean="0"/>
-              <a:t>18/11/2021</a:t>
+              <a:t>25/11/2021</a:t>
             </a:fld>
             <a:endParaRPr lang="en-GB"/>
           </a:p>
@@ -380,7 +380,7 @@
           <a:p>
             <a:fld id="{9DA14B43-C65A-4AE6-9D2C-F5DDC46BD098}" type="datetimeFigureOut">
               <a:rPr lang="en-GB" smtClean="0"/>
-              <a:t>18/11/2021</a:t>
+              <a:t>25/11/2021</a:t>
             </a:fld>
             <a:endParaRPr lang="en-GB"/>
           </a:p>
@@ -869,7 +869,7 @@
           <a:p>
             <a:fld id="{EADA9985-F9B8-4E11-8A40-B153142C5EE0}" type="datetimeFigureOut">
               <a:rPr lang="en-GB" smtClean="0"/>
-              <a:t>18/11/2021</a:t>
+              <a:t>25/11/2021</a:t>
             </a:fld>
             <a:endParaRPr lang="en-GB"/>
           </a:p>
@@ -1078,7 +1078,7 @@
           <a:p>
             <a:fld id="{EADA9985-F9B8-4E11-8A40-B153142C5EE0}" type="datetimeFigureOut">
               <a:rPr lang="en-GB" smtClean="0"/>
-              <a:t>18/11/2021</a:t>
+              <a:t>25/11/2021</a:t>
             </a:fld>
             <a:endParaRPr lang="en-GB"/>
           </a:p>
@@ -1258,7 +1258,7 @@
           <a:p>
             <a:fld id="{EADA9985-F9B8-4E11-8A40-B153142C5EE0}" type="datetimeFigureOut">
               <a:rPr lang="en-GB" smtClean="0"/>
-              <a:t>18/11/2021</a:t>
+              <a:t>25/11/2021</a:t>
             </a:fld>
             <a:endParaRPr lang="en-GB"/>
           </a:p>
@@ -1428,7 +1428,7 @@
           <a:p>
             <a:fld id="{EADA9985-F9B8-4E11-8A40-B153142C5EE0}" type="datetimeFigureOut">
               <a:rPr lang="en-GB" smtClean="0"/>
-              <a:t>18/11/2021</a:t>
+              <a:t>25/11/2021</a:t>
             </a:fld>
             <a:endParaRPr lang="en-GB"/>
           </a:p>
@@ -1674,7 +1674,7 @@
           <a:p>
             <a:fld id="{EADA9985-F9B8-4E11-8A40-B153142C5EE0}" type="datetimeFigureOut">
               <a:rPr lang="en-GB" smtClean="0"/>
-              <a:t>18/11/2021</a:t>
+              <a:t>25/11/2021</a:t>
             </a:fld>
             <a:endParaRPr lang="en-GB"/>
           </a:p>
@@ -1906,7 +1906,7 @@
           <a:p>
             <a:fld id="{EADA9985-F9B8-4E11-8A40-B153142C5EE0}" type="datetimeFigureOut">
               <a:rPr lang="en-GB" smtClean="0"/>
-              <a:t>18/11/2021</a:t>
+              <a:t>25/11/2021</a:t>
             </a:fld>
             <a:endParaRPr lang="en-GB"/>
           </a:p>
@@ -2273,7 +2273,7 @@
           <a:p>
             <a:fld id="{EADA9985-F9B8-4E11-8A40-B153142C5EE0}" type="datetimeFigureOut">
               <a:rPr lang="en-GB" smtClean="0"/>
-              <a:t>18/11/2021</a:t>
+              <a:t>25/11/2021</a:t>
             </a:fld>
             <a:endParaRPr lang="en-GB"/>
           </a:p>
@@ -2391,7 +2391,7 @@
           <a:p>
             <a:fld id="{EADA9985-F9B8-4E11-8A40-B153142C5EE0}" type="datetimeFigureOut">
               <a:rPr lang="en-GB" smtClean="0"/>
-              <a:t>18/11/2021</a:t>
+              <a:t>25/11/2021</a:t>
             </a:fld>
             <a:endParaRPr lang="en-GB"/>
           </a:p>
@@ -2486,7 +2486,7 @@
           <a:p>
             <a:fld id="{EADA9985-F9B8-4E11-8A40-B153142C5EE0}" type="datetimeFigureOut">
               <a:rPr lang="en-GB" smtClean="0"/>
-              <a:t>18/11/2021</a:t>
+              <a:t>25/11/2021</a:t>
             </a:fld>
             <a:endParaRPr lang="en-GB"/>
           </a:p>
@@ -2763,7 +2763,7 @@
           <a:p>
             <a:fld id="{EADA9985-F9B8-4E11-8A40-B153142C5EE0}" type="datetimeFigureOut">
               <a:rPr lang="en-GB" smtClean="0"/>
-              <a:t>18/11/2021</a:t>
+              <a:t>25/11/2021</a:t>
             </a:fld>
             <a:endParaRPr lang="en-GB"/>
           </a:p>
@@ -3016,7 +3016,7 @@
           <a:p>
             <a:fld id="{EADA9985-F9B8-4E11-8A40-B153142C5EE0}" type="datetimeFigureOut">
               <a:rPr lang="en-GB" smtClean="0"/>
-              <a:t>18/11/2021</a:t>
+              <a:t>25/11/2021</a:t>
             </a:fld>
             <a:endParaRPr lang="en-GB"/>
           </a:p>
@@ -3229,7 +3229,7 @@
           <a:p>
             <a:fld id="{EADA9985-F9B8-4E11-8A40-B153142C5EE0}" type="datetimeFigureOut">
               <a:rPr lang="en-GB" smtClean="0"/>
-              <a:t>18/11/2021</a:t>
+              <a:t>25/11/2021</a:t>
             </a:fld>
             <a:endParaRPr lang="en-GB"/>
           </a:p>
@@ -3769,7 +3769,7 @@
           <a:lstStyle/>
           <a:p>
             <a:r>
-              <a:rPr lang="en-GB" dirty="0"/>
+              <a:rPr lang="en-GB" b="1" dirty="0"/>
               <a:t>Engine, Flywheel and Clutch</a:t>
             </a:r>
           </a:p>
@@ -4048,7 +4048,7 @@
         </p:nvSpPr>
         <p:spPr>
           <a:xfrm>
-            <a:off x="415732" y="0"/>
+            <a:off x="415732" y="154892"/>
             <a:ext cx="10515600" cy="1325563"/>
           </a:xfrm>
         </p:spPr>
@@ -4057,7 +4057,7 @@
           <a:lstStyle/>
           <a:p>
             <a:r>
-              <a:rPr lang="en-GB" dirty="0"/>
+              <a:rPr lang="en-GB" b="1" dirty="0"/>
               <a:t>Transmission</a:t>
             </a:r>
           </a:p>
@@ -4217,7 +4217,7 @@
           <a:lstStyle/>
           <a:p>
             <a:r>
-              <a:rPr lang="en-GB" dirty="0"/>
+              <a:rPr lang="en-GB" b="1" dirty="0"/>
               <a:t>Transmission</a:t>
             </a:r>
           </a:p>
@@ -4347,8 +4347,8 @@
           </a:p>
         </p:txBody>
       </p:sp>
-      <mc:AlternateContent xmlns:mc="http://schemas.openxmlformats.org/markup-compatibility/2006">
-        <mc:Choice xmlns:a14="http://schemas.microsoft.com/office/drawing/2010/main" Requires="a14">
+      <mc:AlternateContent xmlns:mc="http://schemas.openxmlformats.org/markup-compatibility/2006" xmlns:a14="http://schemas.microsoft.com/office/drawing/2010/main">
+        <mc:Choice Requires="a14">
           <p:sp>
             <p:nvSpPr>
               <p:cNvPr id="6" name="TextBox 5">
@@ -6591,7 +6591,7 @@
             </p:txBody>
           </p:sp>
         </mc:Choice>
-        <mc:Fallback>
+        <mc:Fallback xmlns="">
           <p:sp>
             <p:nvSpPr>
               <p:cNvPr id="6" name="TextBox 5">
@@ -6636,8 +6636,8 @@
           </p:sp>
         </mc:Fallback>
       </mc:AlternateContent>
-      <mc:AlternateContent xmlns:mc="http://schemas.openxmlformats.org/markup-compatibility/2006">
-        <mc:Choice xmlns:a14="http://schemas.microsoft.com/office/drawing/2010/main" Requires="a14">
+      <mc:AlternateContent xmlns:mc="http://schemas.openxmlformats.org/markup-compatibility/2006" xmlns:a14="http://schemas.microsoft.com/office/drawing/2010/main">
+        <mc:Choice Requires="a14">
           <p:sp>
             <p:nvSpPr>
               <p:cNvPr id="3" name="TextBox 2">
@@ -6834,7 +6834,7 @@
             </p:txBody>
           </p:sp>
         </mc:Choice>
-        <mc:Fallback>
+        <mc:Fallback xmlns="">
           <p:sp>
             <p:nvSpPr>
               <p:cNvPr id="3" name="TextBox 2">
@@ -6879,8 +6879,8 @@
           </p:sp>
         </mc:Fallback>
       </mc:AlternateContent>
-      <mc:AlternateContent xmlns:mc="http://schemas.openxmlformats.org/markup-compatibility/2006">
-        <mc:Choice xmlns:a14="http://schemas.microsoft.com/office/drawing/2010/main" Requires="a14">
+      <mc:AlternateContent xmlns:mc="http://schemas.openxmlformats.org/markup-compatibility/2006" xmlns:a14="http://schemas.microsoft.com/office/drawing/2010/main">
+        <mc:Choice Requires="a14">
           <p:sp>
             <p:nvSpPr>
               <p:cNvPr id="7" name="TextBox 6">
@@ -6909,6 +6909,7 @@
               </a:bodyPr>
               <a:lstStyle/>
               <a:p>
+                <a:pPr/>
                 <a14:m>
                   <m:oMathPara xmlns:m="http://schemas.openxmlformats.org/officeDocument/2006/math">
                     <m:oMathParaPr>
@@ -6924,7 +6925,7 @@
                       <m:f>
                         <m:fPr>
                           <m:ctrlPr>
-                            <a:rPr lang="en-GB" sz="1400" b="0" i="0" smtClean="0">
+                            <a:rPr lang="en-GB" sz="1400" b="0" i="1" smtClean="0">
                               <a:latin typeface="Cambria Math" panose="02040503050406030204" pitchFamily="18" charset="0"/>
                             </a:rPr>
                           </m:ctrlPr>
@@ -6933,7 +6934,7 @@
                           <m:sSub>
                             <m:sSubPr>
                               <m:ctrlPr>
-                                <a:rPr lang="en-GB" sz="1400" b="0" i="0" smtClean="0">
+                                <a:rPr lang="en-GB" sz="1400" b="0" i="1" smtClean="0">
                                   <a:latin typeface="Cambria Math" panose="02040503050406030204" pitchFamily="18" charset="0"/>
                                 </a:rPr>
                               </m:ctrlPr>
@@ -6963,7 +6964,7 @@
                           <m:sSub>
                             <m:sSubPr>
                               <m:ctrlPr>
-                                <a:rPr lang="en-GB" sz="1400" b="0" i="0" smtClean="0">
+                                <a:rPr lang="en-GB" sz="1400" b="0" i="1" smtClean="0">
                                   <a:latin typeface="Cambria Math" panose="02040503050406030204" pitchFamily="18" charset="0"/>
                                 </a:rPr>
                               </m:ctrlPr>
@@ -6998,7 +6999,7 @@
             </p:txBody>
           </p:sp>
         </mc:Choice>
-        <mc:Fallback>
+        <mc:Fallback xmlns="">
           <p:sp>
             <p:nvSpPr>
               <p:cNvPr id="7" name="TextBox 6">
@@ -7176,7 +7177,7 @@
           <a:lstStyle/>
           <a:p>
             <a:r>
-              <a:rPr lang="en-GB" dirty="0"/>
+              <a:rPr lang="en-GB" b="1" dirty="0"/>
               <a:t>Final Drive, Differential and Driveshaft</a:t>
             </a:r>
           </a:p>
@@ -7367,7 +7368,7 @@
           <a:lstStyle/>
           <a:p>
             <a:r>
-              <a:rPr lang="en-GB" dirty="0"/>
+              <a:rPr lang="en-GB" b="1" dirty="0"/>
               <a:t>Final Drive, Differential and Driveshaft</a:t>
             </a:r>
           </a:p>
@@ -7682,7 +7683,7 @@
           <a:lstStyle/>
           <a:p>
             <a:r>
-              <a:rPr lang="en-GB" dirty="0"/>
+              <a:rPr lang="en-GB" b="1" dirty="0"/>
               <a:t>Wheel and Tyres</a:t>
             </a:r>
           </a:p>
@@ -8141,13 +8142,18 @@
             <p:ph type="title"/>
           </p:nvPr>
         </p:nvSpPr>
-        <p:spPr/>
+        <p:spPr>
+          <a:xfrm>
+            <a:off x="482600" y="424706"/>
+            <a:ext cx="10515600" cy="1325563"/>
+          </a:xfrm>
+        </p:spPr>
         <p:txBody>
           <a:bodyPr/>
           <a:lstStyle/>
           <a:p>
             <a:r>
-              <a:rPr lang="en-GB" dirty="0"/>
+              <a:rPr lang="en-GB" b="1" dirty="0"/>
               <a:t>Vehicle Chassis</a:t>
             </a:r>
           </a:p>
@@ -8529,8 +8535,8 @@
         </p:nvSpPr>
         <p:spPr>
           <a:xfrm>
-            <a:off x="381000" y="1690688"/>
-            <a:ext cx="5892800" cy="1649412"/>
+            <a:off x="751840" y="1690688"/>
+            <a:ext cx="5521960" cy="1649412"/>
           </a:xfrm>
         </p:spPr>
         <p:txBody>
@@ -8680,13 +8686,18 @@
             <p:ph type="title"/>
           </p:nvPr>
         </p:nvSpPr>
-        <p:spPr/>
+        <p:spPr>
+          <a:xfrm>
+            <a:off x="381000" y="344979"/>
+            <a:ext cx="10515600" cy="1325563"/>
+          </a:xfrm>
+        </p:spPr>
         <p:txBody>
           <a:bodyPr/>
           <a:lstStyle/>
           <a:p>
             <a:r>
-              <a:rPr lang="en-GB" dirty="0"/>
+              <a:rPr lang="en-GB" b="1" dirty="0"/>
               <a:t>Drivetrain overview</a:t>
             </a:r>
           </a:p>
@@ -9207,7 +9218,7 @@
           <a:lstStyle/>
           <a:p>
             <a:r>
-              <a:rPr lang="en-GB" dirty="0"/>
+              <a:rPr lang="en-GB" b="1" dirty="0"/>
               <a:t>Model development</a:t>
             </a:r>
           </a:p>
@@ -10460,7 +10471,7 @@
           <a:lstStyle/>
           <a:p>
             <a:r>
-              <a:rPr lang="en-GB" dirty="0"/>
+              <a:rPr lang="en-GB" b="1" dirty="0"/>
               <a:t>Model development</a:t>
             </a:r>
           </a:p>
@@ -11211,13 +11222,18 @@
             <p:ph type="title"/>
           </p:nvPr>
         </p:nvSpPr>
-        <p:spPr/>
+        <p:spPr>
+          <a:xfrm>
+            <a:off x="411480" y="344661"/>
+            <a:ext cx="10515600" cy="1325563"/>
+          </a:xfrm>
+        </p:spPr>
         <p:txBody>
           <a:bodyPr/>
           <a:lstStyle/>
           <a:p>
             <a:r>
-              <a:rPr lang="en-GB" dirty="0"/>
+              <a:rPr lang="en-GB" b="1" dirty="0"/>
               <a:t>1-DOF</a:t>
             </a:r>
           </a:p>
@@ -11306,13 +11322,18 @@
             <p:ph type="title"/>
           </p:nvPr>
         </p:nvSpPr>
-        <p:spPr/>
+        <p:spPr>
+          <a:xfrm>
+            <a:off x="482600" y="344805"/>
+            <a:ext cx="10515600" cy="1325563"/>
+          </a:xfrm>
+        </p:spPr>
         <p:txBody>
           <a:bodyPr/>
           <a:lstStyle/>
           <a:p>
             <a:r>
-              <a:rPr lang="en-GB" dirty="0"/>
+              <a:rPr lang="en-GB" b="1" dirty="0"/>
               <a:t>2-DOF</a:t>
             </a:r>
           </a:p>
@@ -11472,7 +11493,7 @@
         </p:nvSpPr>
         <p:spPr>
           <a:xfrm>
-            <a:off x="537451" y="172108"/>
+            <a:off x="303771" y="154382"/>
             <a:ext cx="10515600" cy="1325563"/>
           </a:xfrm>
         </p:spPr>
@@ -11481,7 +11502,7 @@
           <a:lstStyle/>
           <a:p>
             <a:r>
-              <a:rPr lang="en-GB" dirty="0"/>
+              <a:rPr lang="en-GB" b="1" dirty="0"/>
               <a:t>Model development</a:t>
             </a:r>
           </a:p>
@@ -11774,7 +11795,7 @@
           <a:lstStyle/>
           <a:p>
             <a:r>
-              <a:rPr lang="en-GB" dirty="0"/>
+              <a:rPr lang="en-GB" b="1" dirty="0"/>
               <a:t>Single Inertia Vehicle Model</a:t>
             </a:r>
           </a:p>
@@ -12523,7 +12544,7 @@
         </p:nvSpPr>
         <p:spPr>
           <a:xfrm>
-            <a:off x="625524" y="-22100"/>
+            <a:off x="391844" y="0"/>
             <a:ext cx="10515600" cy="1325563"/>
           </a:xfrm>
         </p:spPr>
@@ -12532,7 +12553,7 @@
           <a:lstStyle/>
           <a:p>
             <a:r>
-              <a:rPr lang="en-GB" dirty="0"/>
+              <a:rPr lang="en-GB" b="1" dirty="0"/>
               <a:t>Engine, Flywheel and Clutch</a:t>
             </a:r>
           </a:p>
